--- a/docs/diagrams/ProgressBarSequenceDiagram.pptx
+++ b/docs/diagrams/ProgressBarSequenceDiagram.pptx
@@ -208,7 +208,7 @@
           <a:p>
             <a:fld id="{F5CC4B3F-88C1-4FFA-B1B6-F41C21DC6924}" type="datetimeFigureOut">
               <a:rPr lang="en-US" smtClean="0"/>
-              <a:t>11/4/18</a:t>
+              <a:t>11/10/18</a:t>
             </a:fld>
             <a:endParaRPr lang="en-US"/>
           </a:p>
@@ -654,7 +654,7 @@
           <a:p>
             <a:fld id="{78C97017-6FC3-485B-9764-EAC9E56C1D49}" type="datetimeFigureOut">
               <a:rPr lang="en-US" smtClean="0"/>
-              <a:t>11/4/18</a:t>
+              <a:t>11/10/18</a:t>
             </a:fld>
             <a:endParaRPr lang="en-US"/>
           </a:p>
@@ -822,7 +822,7 @@
           <a:p>
             <a:fld id="{78C97017-6FC3-485B-9764-EAC9E56C1D49}" type="datetimeFigureOut">
               <a:rPr lang="en-US" smtClean="0"/>
-              <a:t>11/4/18</a:t>
+              <a:t>11/10/18</a:t>
             </a:fld>
             <a:endParaRPr lang="en-US"/>
           </a:p>
@@ -1000,7 +1000,7 @@
           <a:p>
             <a:fld id="{78C97017-6FC3-485B-9764-EAC9E56C1D49}" type="datetimeFigureOut">
               <a:rPr lang="en-US" smtClean="0"/>
-              <a:t>11/4/18</a:t>
+              <a:t>11/10/18</a:t>
             </a:fld>
             <a:endParaRPr lang="en-US"/>
           </a:p>
@@ -1168,7 +1168,7 @@
           <a:p>
             <a:fld id="{78C97017-6FC3-485B-9764-EAC9E56C1D49}" type="datetimeFigureOut">
               <a:rPr lang="en-US" smtClean="0"/>
-              <a:t>11/4/18</a:t>
+              <a:t>11/10/18</a:t>
             </a:fld>
             <a:endParaRPr lang="en-US"/>
           </a:p>
@@ -1413,7 +1413,7 @@
           <a:p>
             <a:fld id="{78C97017-6FC3-485B-9764-EAC9E56C1D49}" type="datetimeFigureOut">
               <a:rPr lang="en-US" smtClean="0"/>
-              <a:t>11/4/18</a:t>
+              <a:t>11/10/18</a:t>
             </a:fld>
             <a:endParaRPr lang="en-US"/>
           </a:p>
@@ -1698,7 +1698,7 @@
           <a:p>
             <a:fld id="{78C97017-6FC3-485B-9764-EAC9E56C1D49}" type="datetimeFigureOut">
               <a:rPr lang="en-US" smtClean="0"/>
-              <a:t>11/4/18</a:t>
+              <a:t>11/10/18</a:t>
             </a:fld>
             <a:endParaRPr lang="en-US"/>
           </a:p>
@@ -2117,7 +2117,7 @@
           <a:p>
             <a:fld id="{78C97017-6FC3-485B-9764-EAC9E56C1D49}" type="datetimeFigureOut">
               <a:rPr lang="en-US" smtClean="0"/>
-              <a:t>11/4/18</a:t>
+              <a:t>11/10/18</a:t>
             </a:fld>
             <a:endParaRPr lang="en-US"/>
           </a:p>
@@ -2234,7 +2234,7 @@
           <a:p>
             <a:fld id="{78C97017-6FC3-485B-9764-EAC9E56C1D49}" type="datetimeFigureOut">
               <a:rPr lang="en-US" smtClean="0"/>
-              <a:t>11/4/18</a:t>
+              <a:t>11/10/18</a:t>
             </a:fld>
             <a:endParaRPr lang="en-US"/>
           </a:p>
@@ -2329,7 +2329,7 @@
           <a:p>
             <a:fld id="{78C97017-6FC3-485B-9764-EAC9E56C1D49}" type="datetimeFigureOut">
               <a:rPr lang="en-US" smtClean="0"/>
-              <a:t>11/4/18</a:t>
+              <a:t>11/10/18</a:t>
             </a:fld>
             <a:endParaRPr lang="en-US"/>
           </a:p>
@@ -2604,7 +2604,7 @@
           <a:p>
             <a:fld id="{78C97017-6FC3-485B-9764-EAC9E56C1D49}" type="datetimeFigureOut">
               <a:rPr lang="en-US" smtClean="0"/>
-              <a:t>11/4/18</a:t>
+              <a:t>11/10/18</a:t>
             </a:fld>
             <a:endParaRPr lang="en-US"/>
           </a:p>
@@ -2856,7 +2856,7 @@
           <a:p>
             <a:fld id="{78C97017-6FC3-485B-9764-EAC9E56C1D49}" type="datetimeFigureOut">
               <a:rPr lang="en-US" smtClean="0"/>
-              <a:t>11/4/18</a:t>
+              <a:t>11/10/18</a:t>
             </a:fld>
             <a:endParaRPr lang="en-US"/>
           </a:p>
@@ -3067,7 +3067,7 @@
           <a:p>
             <a:fld id="{78C97017-6FC3-485B-9764-EAC9E56C1D49}" type="datetimeFigureOut">
               <a:rPr lang="en-US" smtClean="0"/>
-              <a:t>11/4/18</a:t>
+              <a:t>11/10/18</a:t>
             </a:fld>
             <a:endParaRPr lang="en-US"/>
           </a:p>
@@ -3450,8 +3450,8 @@
         </p:nvSpPr>
         <p:spPr>
           <a:xfrm>
-            <a:off x="6322451" y="118895"/>
-            <a:ext cx="1634752" cy="4400926"/>
+            <a:off x="1962413" y="148265"/>
+            <a:ext cx="2072256" cy="4400926"/>
           </a:xfrm>
           <a:prstGeom prst="roundRect">
             <a:avLst>
@@ -3510,8 +3510,8 @@
         </p:nvSpPr>
         <p:spPr>
           <a:xfrm>
-            <a:off x="5539485" y="2555983"/>
-            <a:ext cx="1448717" cy="184666"/>
+            <a:off x="701133" y="2464392"/>
+            <a:ext cx="1448717" cy="553998"/>
           </a:xfrm>
           <a:prstGeom prst="rect">
             <a:avLst/>
@@ -3535,13 +3535,14 @@
             </a:lvl1pPr>
           </a:lstStyle>
           <a:p>
+            <a:pPr algn="l"/>
             <a:r>
               <a:rPr lang="en-US" altLang="zh-CN" sz="1200" dirty="0">
                 <a:solidFill>
                   <a:srgbClr val="38859D"/>
                 </a:solidFill>
               </a:rPr>
-              <a:t>post(</a:t>
+              <a:t>post(new </a:t>
             </a:r>
             <a:r>
               <a:rPr lang="en-US" altLang="zh-CN" sz="1200" dirty="0" err="1">
@@ -3551,6 +3552,22 @@
               </a:rPr>
               <a:t>SchedulePlanner</a:t>
             </a:r>
+            <a:endParaRPr lang="en-US" altLang="zh-CN" sz="1200" dirty="0">
+              <a:solidFill>
+                <a:srgbClr val="38859D"/>
+              </a:solidFill>
+            </a:endParaRPr>
+          </a:p>
+          <a:p>
+            <a:pPr algn="l"/>
+            <a:r>
+              <a:rPr lang="en-US" altLang="zh-CN" sz="1200" dirty="0" err="1">
+                <a:solidFill>
+                  <a:srgbClr val="38859D"/>
+                </a:solidFill>
+              </a:rPr>
+              <a:t>ChangedEvent</a:t>
+            </a:r>
             <a:r>
               <a:rPr lang="en-US" altLang="zh-CN" sz="1200" dirty="0">
                 <a:solidFill>
@@ -3575,7 +3592,7 @@
         </p:nvSpPr>
         <p:spPr>
           <a:xfrm>
-            <a:off x="6299995" y="1935751"/>
+            <a:off x="1939957" y="1965121"/>
             <a:ext cx="1738936" cy="623728"/>
           </a:xfrm>
           <a:prstGeom prst="rect">
@@ -3660,7 +3677,7 @@
         </p:nvCxnSpPr>
         <p:spPr>
           <a:xfrm flipH="1">
-            <a:off x="7253428" y="2617105"/>
+            <a:off x="2893390" y="2646475"/>
             <a:ext cx="33381" cy="1920228"/>
           </a:xfrm>
           <a:prstGeom prst="line">
@@ -3697,7 +3714,7 @@
         </p:nvSpPr>
         <p:spPr>
           <a:xfrm>
-            <a:off x="7179319" y="2565152"/>
+            <a:off x="2819281" y="2594522"/>
             <a:ext cx="160944" cy="1168648"/>
           </a:xfrm>
           <a:prstGeom prst="rect">
@@ -3746,7 +3763,7 @@
         </p:nvCxnSpPr>
         <p:spPr>
           <a:xfrm>
-            <a:off x="5504552" y="2481682"/>
+            <a:off x="522962" y="2442906"/>
             <a:ext cx="1439451" cy="0"/>
           </a:xfrm>
           <a:prstGeom prst="straightConnector1">
@@ -3782,8 +3799,8 @@
         </p:nvSpPr>
         <p:spPr>
           <a:xfrm>
-            <a:off x="7147959" y="2558535"/>
-            <a:ext cx="1532862" cy="184666"/>
+            <a:off x="3017768" y="2635837"/>
+            <a:ext cx="2440884" cy="369332"/>
           </a:xfrm>
           <a:prstGeom prst="rect">
             <a:avLst/>
@@ -3824,7 +3841,7 @@
                   <a:srgbClr val="5AB152"/>
                 </a:solidFill>
               </a:rPr>
-              <a:t>handleChangeView</a:t>
+              <a:t>handleSchedulePlannerChangedEvent</a:t>
             </a:r>
             <a:r>
               <a:rPr lang="en-US" sz="1200" dirty="0">
@@ -3847,8 +3864,8 @@
         </p:nvCxnSpPr>
         <p:spPr>
           <a:xfrm>
-            <a:off x="7340265" y="2750332"/>
-            <a:ext cx="1435537" cy="0"/>
+            <a:off x="2980225" y="2803510"/>
+            <a:ext cx="2512199" cy="0"/>
           </a:xfrm>
           <a:prstGeom prst="straightConnector1">
             <a:avLst/>
@@ -3886,13 +3903,14 @@
           </p:cNvPr>
           <p:cNvCxnSpPr>
             <a:cxnSpLocks/>
+            <a:endCxn id="47" idx="2"/>
           </p:cNvCxnSpPr>
           <p:nvPr/>
         </p:nvCxnSpPr>
         <p:spPr>
           <a:xfrm>
-            <a:off x="7340570" y="3564914"/>
-            <a:ext cx="1502351" cy="0"/>
+            <a:off x="3000880" y="3606589"/>
+            <a:ext cx="2579364" cy="11502"/>
           </a:xfrm>
           <a:prstGeom prst="straightConnector1">
             <a:avLst/>
@@ -3937,9 +3955,9 @@
           <p:nvPr/>
         </p:nvCxnSpPr>
         <p:spPr>
-          <a:xfrm flipV="1">
-            <a:off x="5489037" y="3733802"/>
-            <a:ext cx="1770757" cy="8755"/>
+          <a:xfrm>
+            <a:off x="511278" y="3763170"/>
+            <a:ext cx="2388475" cy="0"/>
           </a:xfrm>
           <a:prstGeom prst="straightConnector1">
             <a:avLst/>
@@ -3982,8 +4000,8 @@
         </p:nvSpPr>
         <p:spPr>
           <a:xfrm>
-            <a:off x="8230834" y="136407"/>
-            <a:ext cx="3471710" cy="4400926"/>
+            <a:off x="4266596" y="189583"/>
+            <a:ext cx="4795474" cy="4400926"/>
           </a:xfrm>
           <a:prstGeom prst="roundRect">
             <a:avLst>
@@ -4048,8 +4066,8 @@
         </p:nvSpPr>
         <p:spPr>
           <a:xfrm>
-            <a:off x="8152291" y="1538130"/>
-            <a:ext cx="1414905" cy="340105"/>
+            <a:off x="4862178" y="1591306"/>
+            <a:ext cx="1738936" cy="498605"/>
           </a:xfrm>
           <a:prstGeom prst="rect">
             <a:avLst/>
@@ -4097,7 +4115,7 @@
                   <a:schemeClr val="bg1"/>
                 </a:solidFill>
               </a:rPr>
-              <a:t>MainWindow</a:t>
+              <a:t>ProgressBarPanel</a:t>
             </a:r>
             <a:endParaRPr lang="en-SG" sz="1600" dirty="0">
               <a:solidFill>
@@ -4121,7 +4139,7 @@
         </p:nvSpPr>
         <p:spPr>
           <a:xfrm>
-            <a:off x="8782537" y="2750334"/>
+            <a:off x="5492424" y="2803510"/>
             <a:ext cx="175640" cy="814581"/>
           </a:xfrm>
           <a:prstGeom prst="rect">
@@ -4164,87 +4182,6 @@
           </a:p>
         </p:txBody>
       </p:sp>
-      <p:sp>
-        <p:nvSpPr>
-          <p:cNvPr id="48" name="Rectangle 62">
-            <a:extLst>
-              <a:ext uri="{FF2B5EF4-FFF2-40B4-BE49-F238E27FC236}">
-                <a16:creationId xmlns:a16="http://schemas.microsoft.com/office/drawing/2014/main" id="{A895FDD6-96A2-6E40-8E1D-22AC434E607E}"/>
-              </a:ext>
-            </a:extLst>
-          </p:cNvPr>
-          <p:cNvSpPr/>
-          <p:nvPr/>
-        </p:nvSpPr>
-        <p:spPr>
-          <a:xfrm>
-            <a:off x="9917321" y="2818087"/>
-            <a:ext cx="1414905" cy="516534"/>
-          </a:xfrm>
-          <a:prstGeom prst="rect">
-            <a:avLst/>
-          </a:prstGeom>
-          <a:solidFill>
-            <a:srgbClr val="5AB152"/>
-          </a:solidFill>
-          <a:ln w="19050">
-            <a:solidFill>
-              <a:srgbClr val="5AB152"/>
-            </a:solidFill>
-          </a:ln>
-          <a:effectLst/>
-        </p:spPr>
-        <p:style>
-          <a:lnRef idx="1">
-            <a:schemeClr val="accent2"/>
-          </a:lnRef>
-          <a:fillRef idx="2">
-            <a:schemeClr val="accent2"/>
-          </a:fillRef>
-          <a:effectRef idx="1">
-            <a:schemeClr val="accent2"/>
-          </a:effectRef>
-          <a:fontRef idx="minor">
-            <a:schemeClr val="dk1"/>
-          </a:fontRef>
-        </p:style>
-        <p:txBody>
-          <a:bodyPr rtlCol="0" anchor="ctr"/>
-          <a:lstStyle/>
-          <a:p>
-            <a:pPr algn="ctr"/>
-            <a:r>
-              <a:rPr lang="en-US" sz="1600" dirty="0" err="1">
-                <a:solidFill>
-                  <a:schemeClr val="bg1"/>
-                </a:solidFill>
-              </a:rPr>
-              <a:t>archivedList</a:t>
-            </a:r>
-            <a:r>
-              <a:rPr lang="en-US" sz="1600" dirty="0">
-                <a:solidFill>
-                  <a:schemeClr val="bg1"/>
-                </a:solidFill>
-              </a:rPr>
-              <a:t>: </a:t>
-            </a:r>
-            <a:r>
-              <a:rPr lang="en-US" sz="1600" dirty="0" err="1">
-                <a:solidFill>
-                  <a:schemeClr val="bg1"/>
-                </a:solidFill>
-              </a:rPr>
-              <a:t>TaskListPanel</a:t>
-            </a:r>
-            <a:endParaRPr lang="en-SG" sz="1600" dirty="0">
-              <a:solidFill>
-                <a:schemeClr val="bg1"/>
-              </a:solidFill>
-            </a:endParaRPr>
-          </a:p>
-        </p:txBody>
-      </p:sp>
       <p:cxnSp>
         <p:nvCxnSpPr>
           <p:cNvPr id="51" name="Straight Connector 50">
@@ -4261,7 +4198,7 @@
         </p:nvCxnSpPr>
         <p:spPr>
           <a:xfrm>
-            <a:off x="8864263" y="1875243"/>
+            <a:off x="5574150" y="1928419"/>
             <a:ext cx="0" cy="2644578"/>
           </a:xfrm>
           <a:prstGeom prst="line">
@@ -4292,153 +4229,6 @@
       </p:cxnSp>
       <p:sp>
         <p:nvSpPr>
-          <p:cNvPr id="53" name="Rectangle 52">
-            <a:extLst>
-              <a:ext uri="{FF2B5EF4-FFF2-40B4-BE49-F238E27FC236}">
-                <a16:creationId xmlns:a16="http://schemas.microsoft.com/office/drawing/2014/main" id="{FA57E6BA-EC1A-0B42-B804-CCBB4D655ECF}"/>
-              </a:ext>
-            </a:extLst>
-          </p:cNvPr>
-          <p:cNvSpPr/>
-          <p:nvPr/>
-        </p:nvSpPr>
-        <p:spPr>
-          <a:xfrm>
-            <a:off x="10617168" y="3287445"/>
-            <a:ext cx="170560" cy="159363"/>
-          </a:xfrm>
-          <a:prstGeom prst="rect">
-            <a:avLst/>
-          </a:prstGeom>
-          <a:solidFill>
-            <a:srgbClr val="5AB152"/>
-          </a:solidFill>
-          <a:ln>
-            <a:solidFill>
-              <a:srgbClr val="5AB152"/>
-            </a:solidFill>
-          </a:ln>
-          <a:effectLst/>
-        </p:spPr>
-        <p:style>
-          <a:lnRef idx="1">
-            <a:schemeClr val="accent3"/>
-          </a:lnRef>
-          <a:fillRef idx="2">
-            <a:schemeClr val="accent3"/>
-          </a:fillRef>
-          <a:effectRef idx="1">
-            <a:schemeClr val="accent3"/>
-          </a:effectRef>
-          <a:fontRef idx="minor">
-            <a:schemeClr val="dk1"/>
-          </a:fontRef>
-        </p:style>
-        <p:txBody>
-          <a:bodyPr rtlCol="0" anchor="ctr"/>
-          <a:lstStyle/>
-          <a:p>
-            <a:pPr algn="ctr"/>
-            <a:endParaRPr lang="en-SG" sz="1400">
-              <a:solidFill>
-                <a:srgbClr val="5AB152"/>
-              </a:solidFill>
-            </a:endParaRPr>
-          </a:p>
-        </p:txBody>
-      </p:sp>
-      <p:cxnSp>
-        <p:nvCxnSpPr>
-          <p:cNvPr id="68" name="Straight Arrow Connector 67">
-            <a:extLst>
-              <a:ext uri="{FF2B5EF4-FFF2-40B4-BE49-F238E27FC236}">
-                <a16:creationId xmlns:a16="http://schemas.microsoft.com/office/drawing/2014/main" id="{F23E22CC-31FC-AB48-BC2B-3B6E9CB08C6D}"/>
-              </a:ext>
-            </a:extLst>
-          </p:cNvPr>
-          <p:cNvCxnSpPr>
-            <a:cxnSpLocks/>
-          </p:cNvCxnSpPr>
-          <p:nvPr/>
-        </p:nvCxnSpPr>
-        <p:spPr>
-          <a:xfrm>
-            <a:off x="8944435" y="3205562"/>
-            <a:ext cx="972886" cy="0"/>
-          </a:xfrm>
-          <a:prstGeom prst="straightConnector1">
-            <a:avLst/>
-          </a:prstGeom>
-          <a:ln w="19050">
-            <a:solidFill>
-              <a:srgbClr val="5AB152"/>
-            </a:solidFill>
-            <a:tailEnd type="arrow"/>
-          </a:ln>
-        </p:spPr>
-        <p:style>
-          <a:lnRef idx="1">
-            <a:schemeClr val="accent1"/>
-          </a:lnRef>
-          <a:fillRef idx="0">
-            <a:schemeClr val="accent1"/>
-          </a:fillRef>
-          <a:effectRef idx="0">
-            <a:schemeClr val="accent1"/>
-          </a:effectRef>
-          <a:fontRef idx="minor">
-            <a:schemeClr val="tx1"/>
-          </a:fontRef>
-        </p:style>
-      </p:cxnSp>
-      <p:cxnSp>
-        <p:nvCxnSpPr>
-          <p:cNvPr id="71" name="Straight Arrow Connector 70">
-            <a:extLst>
-              <a:ext uri="{FF2B5EF4-FFF2-40B4-BE49-F238E27FC236}">
-                <a16:creationId xmlns:a16="http://schemas.microsoft.com/office/drawing/2014/main" id="{284300F0-9F2A-5F45-933E-E6443F8C8519}"/>
-              </a:ext>
-            </a:extLst>
-          </p:cNvPr>
-          <p:cNvCxnSpPr>
-            <a:cxnSpLocks/>
-          </p:cNvCxnSpPr>
-          <p:nvPr/>
-        </p:nvCxnSpPr>
-        <p:spPr>
-          <a:xfrm>
-            <a:off x="8959351" y="3429000"/>
-            <a:ext cx="1678224" cy="6018"/>
-          </a:xfrm>
-          <a:prstGeom prst="straightConnector1">
-            <a:avLst/>
-          </a:prstGeom>
-          <a:ln w="19050">
-            <a:solidFill>
-              <a:srgbClr val="5AB152"/>
-            </a:solidFill>
-            <a:prstDash val="sysDash"/>
-            <a:headEnd type="arrow" w="med" len="med"/>
-            <a:tailEnd type="none" w="med" len="med"/>
-          </a:ln>
-        </p:spPr>
-        <p:style>
-          <a:lnRef idx="1">
-            <a:schemeClr val="accent1"/>
-          </a:lnRef>
-          <a:fillRef idx="0">
-            <a:schemeClr val="accent1"/>
-          </a:fillRef>
-          <a:effectRef idx="0">
-            <a:schemeClr val="accent1"/>
-          </a:effectRef>
-          <a:fontRef idx="minor">
-            <a:schemeClr val="tx1"/>
-          </a:fontRef>
-        </p:style>
-      </p:cxnSp>
-      <p:sp>
-        <p:nvSpPr>
           <p:cNvPr id="75" name="Rectangle 74">
             <a:extLst>
               <a:ext uri="{FF2B5EF4-FFF2-40B4-BE49-F238E27FC236}">
@@ -4451,8 +4241,8 @@
         </p:nvSpPr>
         <p:spPr>
           <a:xfrm>
-            <a:off x="8885610" y="2934483"/>
-            <a:ext cx="170560" cy="159363"/>
+            <a:off x="5595497" y="2987659"/>
+            <a:ext cx="170544" cy="503975"/>
           </a:xfrm>
           <a:prstGeom prst="rect">
             <a:avLst/>
@@ -4508,7 +4298,7 @@
         </p:nvSpPr>
         <p:spPr>
           <a:xfrm>
-            <a:off x="8954642" y="2804094"/>
+            <a:off x="5664529" y="2857270"/>
             <a:ext cx="263271" cy="272260"/>
           </a:xfrm>
           <a:custGeom>
@@ -4653,7 +4443,7 @@
         </p:nvSpPr>
         <p:spPr>
           <a:xfrm>
-            <a:off x="8386403" y="2625850"/>
+            <a:off x="5492424" y="2619103"/>
             <a:ext cx="1532862" cy="184666"/>
           </a:xfrm>
           <a:prstGeom prst="rect">
@@ -4695,7 +4485,7 @@
                   <a:srgbClr val="5AB152"/>
                 </a:solidFill>
               </a:rPr>
-              <a:t>showArchived</a:t>
+              <a:t>updateProgressBars</a:t>
             </a:r>
             <a:r>
               <a:rPr lang="en-US" sz="1200" dirty="0">
@@ -4710,10 +4500,276 @@
       </p:sp>
       <p:sp>
         <p:nvSpPr>
-          <p:cNvPr id="87" name="TextBox 86">
+          <p:cNvPr id="34" name="Rectangle 62">
             <a:extLst>
               <a:ext uri="{FF2B5EF4-FFF2-40B4-BE49-F238E27FC236}">
-                <a16:creationId xmlns:a16="http://schemas.microsoft.com/office/drawing/2014/main" id="{16476A89-3BB8-2540-9C4A-D257729D3FC1}"/>
+                <a16:creationId xmlns:a16="http://schemas.microsoft.com/office/drawing/2014/main" id="{688C288B-229F-214D-8DD2-A82788CE49EC}"/>
+              </a:ext>
+            </a:extLst>
+          </p:cNvPr>
+          <p:cNvSpPr/>
+          <p:nvPr/>
+        </p:nvSpPr>
+        <p:spPr>
+          <a:xfrm>
+            <a:off x="7172090" y="1679116"/>
+            <a:ext cx="1738936" cy="498605"/>
+          </a:xfrm>
+          <a:prstGeom prst="rect">
+            <a:avLst/>
+          </a:prstGeom>
+          <a:solidFill>
+            <a:srgbClr val="5AB152"/>
+          </a:solidFill>
+          <a:ln w="19050">
+            <a:solidFill>
+              <a:srgbClr val="5AB152"/>
+            </a:solidFill>
+          </a:ln>
+          <a:effectLst/>
+        </p:spPr>
+        <p:style>
+          <a:lnRef idx="1">
+            <a:schemeClr val="accent2"/>
+          </a:lnRef>
+          <a:fillRef idx="2">
+            <a:schemeClr val="accent2"/>
+          </a:fillRef>
+          <a:effectRef idx="1">
+            <a:schemeClr val="accent2"/>
+          </a:effectRef>
+          <a:fontRef idx="minor">
+            <a:schemeClr val="dk1"/>
+          </a:fontRef>
+        </p:style>
+        <p:txBody>
+          <a:bodyPr rtlCol="0" anchor="ctr"/>
+          <a:lstStyle/>
+          <a:p>
+            <a:pPr algn="ctr"/>
+            <a:r>
+              <a:rPr lang="en-US" sz="1600" dirty="0">
+                <a:solidFill>
+                  <a:schemeClr val="bg1"/>
+                </a:solidFill>
+              </a:rPr>
+              <a:t>: </a:t>
+            </a:r>
+            <a:r>
+              <a:rPr lang="en-US" sz="1600" dirty="0" err="1">
+                <a:solidFill>
+                  <a:schemeClr val="bg1"/>
+                </a:solidFill>
+              </a:rPr>
+              <a:t>ProgressBar</a:t>
+            </a:r>
+            <a:endParaRPr lang="en-SG" sz="1600" dirty="0">
+              <a:solidFill>
+                <a:schemeClr val="bg1"/>
+              </a:solidFill>
+            </a:endParaRPr>
+          </a:p>
+        </p:txBody>
+      </p:sp>
+      <p:cxnSp>
+        <p:nvCxnSpPr>
+          <p:cNvPr id="35" name="Straight Connector 34">
+            <a:extLst>
+              <a:ext uri="{FF2B5EF4-FFF2-40B4-BE49-F238E27FC236}">
+                <a16:creationId xmlns:a16="http://schemas.microsoft.com/office/drawing/2014/main" id="{57DA3CE2-AC38-DD48-919B-FE7257671332}"/>
+              </a:ext>
+            </a:extLst>
+          </p:cNvPr>
+          <p:cNvCxnSpPr>
+            <a:cxnSpLocks/>
+          </p:cNvCxnSpPr>
+          <p:nvPr/>
+        </p:nvCxnSpPr>
+        <p:spPr>
+          <a:xfrm>
+            <a:off x="8041558" y="1945931"/>
+            <a:ext cx="0" cy="2644578"/>
+          </a:xfrm>
+          <a:prstGeom prst="line">
+            <a:avLst/>
+          </a:prstGeom>
+          <a:ln w="19050">
+            <a:solidFill>
+              <a:srgbClr val="5AB152"/>
+            </a:solidFill>
+            <a:prstDash val="sysDash"/>
+          </a:ln>
+          <a:effectLst/>
+        </p:spPr>
+        <p:style>
+          <a:lnRef idx="1">
+            <a:schemeClr val="accent1"/>
+          </a:lnRef>
+          <a:fillRef idx="2">
+            <a:schemeClr val="accent1"/>
+          </a:fillRef>
+          <a:effectRef idx="1">
+            <a:schemeClr val="accent1"/>
+          </a:effectRef>
+          <a:fontRef idx="minor">
+            <a:schemeClr val="dk1"/>
+          </a:fontRef>
+        </p:style>
+      </p:cxnSp>
+      <p:sp>
+        <p:nvSpPr>
+          <p:cNvPr id="36" name="Rectangle 35">
+            <a:extLst>
+              <a:ext uri="{FF2B5EF4-FFF2-40B4-BE49-F238E27FC236}">
+                <a16:creationId xmlns:a16="http://schemas.microsoft.com/office/drawing/2014/main" id="{C52FC3F1-812E-374D-9658-EEE958B10C7C}"/>
+              </a:ext>
+            </a:extLst>
+          </p:cNvPr>
+          <p:cNvSpPr/>
+          <p:nvPr/>
+        </p:nvSpPr>
+        <p:spPr>
+          <a:xfrm>
+            <a:off x="7963968" y="3147023"/>
+            <a:ext cx="164814" cy="281978"/>
+          </a:xfrm>
+          <a:prstGeom prst="rect">
+            <a:avLst/>
+          </a:prstGeom>
+          <a:solidFill>
+            <a:srgbClr val="5AB152"/>
+          </a:solidFill>
+          <a:ln>
+            <a:solidFill>
+              <a:srgbClr val="5AB152"/>
+            </a:solidFill>
+          </a:ln>
+          <a:effectLst/>
+        </p:spPr>
+        <p:style>
+          <a:lnRef idx="1">
+            <a:schemeClr val="accent3"/>
+          </a:lnRef>
+          <a:fillRef idx="2">
+            <a:schemeClr val="accent3"/>
+          </a:fillRef>
+          <a:effectRef idx="1">
+            <a:schemeClr val="accent3"/>
+          </a:effectRef>
+          <a:fontRef idx="minor">
+            <a:schemeClr val="dk1"/>
+          </a:fontRef>
+        </p:style>
+        <p:txBody>
+          <a:bodyPr rtlCol="0" anchor="ctr"/>
+          <a:lstStyle/>
+          <a:p>
+            <a:pPr algn="ctr"/>
+            <a:endParaRPr lang="en-SG" sz="1400">
+              <a:solidFill>
+                <a:srgbClr val="5AB152"/>
+              </a:solidFill>
+            </a:endParaRPr>
+          </a:p>
+        </p:txBody>
+      </p:sp>
+      <p:cxnSp>
+        <p:nvCxnSpPr>
+          <p:cNvPr id="37" name="Straight Arrow Connector 36">
+            <a:extLst>
+              <a:ext uri="{FF2B5EF4-FFF2-40B4-BE49-F238E27FC236}">
+                <a16:creationId xmlns:a16="http://schemas.microsoft.com/office/drawing/2014/main" id="{0F8CC7B8-88A9-6D43-A0F9-21079D3C4A1C}"/>
+              </a:ext>
+            </a:extLst>
+          </p:cNvPr>
+          <p:cNvCxnSpPr>
+            <a:cxnSpLocks/>
+          </p:cNvCxnSpPr>
+          <p:nvPr/>
+        </p:nvCxnSpPr>
+        <p:spPr>
+          <a:xfrm>
+            <a:off x="5766041" y="3147023"/>
+            <a:ext cx="2197927" cy="0"/>
+          </a:xfrm>
+          <a:prstGeom prst="straightConnector1">
+            <a:avLst/>
+          </a:prstGeom>
+          <a:ln w="19050">
+            <a:solidFill>
+              <a:srgbClr val="5AB152"/>
+            </a:solidFill>
+            <a:tailEnd type="arrow"/>
+          </a:ln>
+        </p:spPr>
+        <p:style>
+          <a:lnRef idx="1">
+            <a:schemeClr val="accent1"/>
+          </a:lnRef>
+          <a:fillRef idx="0">
+            <a:schemeClr val="accent1"/>
+          </a:fillRef>
+          <a:effectRef idx="0">
+            <a:schemeClr val="accent1"/>
+          </a:effectRef>
+          <a:fontRef idx="minor">
+            <a:schemeClr val="tx1"/>
+          </a:fontRef>
+        </p:style>
+      </p:cxnSp>
+      <p:cxnSp>
+        <p:nvCxnSpPr>
+          <p:cNvPr id="42" name="Straight Arrow Connector 41">
+            <a:extLst>
+              <a:ext uri="{FF2B5EF4-FFF2-40B4-BE49-F238E27FC236}">
+                <a16:creationId xmlns:a16="http://schemas.microsoft.com/office/drawing/2014/main" id="{9DEA3AC3-E531-894D-A697-C901BE45E6FC}"/>
+              </a:ext>
+            </a:extLst>
+          </p:cNvPr>
+          <p:cNvCxnSpPr>
+            <a:cxnSpLocks/>
+            <a:endCxn id="36" idx="2"/>
+          </p:cNvCxnSpPr>
+          <p:nvPr/>
+        </p:nvCxnSpPr>
+        <p:spPr>
+          <a:xfrm>
+            <a:off x="5754459" y="3402337"/>
+            <a:ext cx="2291916" cy="26664"/>
+          </a:xfrm>
+          <a:prstGeom prst="straightConnector1">
+            <a:avLst/>
+          </a:prstGeom>
+          <a:ln w="19050">
+            <a:solidFill>
+              <a:srgbClr val="5AB152"/>
+            </a:solidFill>
+            <a:prstDash val="sysDash"/>
+            <a:headEnd type="arrow" w="med" len="med"/>
+            <a:tailEnd type="none" w="med" len="med"/>
+          </a:ln>
+        </p:spPr>
+        <p:style>
+          <a:lnRef idx="1">
+            <a:schemeClr val="accent1"/>
+          </a:lnRef>
+          <a:fillRef idx="0">
+            <a:schemeClr val="accent1"/>
+          </a:fillRef>
+          <a:effectRef idx="0">
+            <a:schemeClr val="accent1"/>
+          </a:effectRef>
+          <a:fontRef idx="minor">
+            <a:schemeClr val="tx1"/>
+          </a:fontRef>
+        </p:style>
+      </p:cxnSp>
+      <p:sp>
+        <p:nvSpPr>
+          <p:cNvPr id="44" name="TextBox 43">
+            <a:extLst>
+              <a:ext uri="{FF2B5EF4-FFF2-40B4-BE49-F238E27FC236}">
+                <a16:creationId xmlns:a16="http://schemas.microsoft.com/office/drawing/2014/main" id="{894BB550-3FE1-E041-8444-287AE19D1E9A}"/>
               </a:ext>
             </a:extLst>
           </p:cNvPr>
@@ -4722,8 +4778,8 @@
         </p:nvSpPr>
         <p:spPr>
           <a:xfrm>
-            <a:off x="8568766" y="3399631"/>
-            <a:ext cx="1532862" cy="184666"/>
+            <a:off x="6115274" y="2768318"/>
+            <a:ext cx="1532862" cy="369332"/>
           </a:xfrm>
           <a:prstGeom prst="rect">
             <a:avLst/>
@@ -4764,13 +4820,16 @@
                   <a:srgbClr val="5AB152"/>
                 </a:solidFill>
               </a:rPr>
-              <a:t>archivedList</a:t>
-            </a:r>
-            <a:endParaRPr lang="en-US" sz="1200" dirty="0">
-              <a:solidFill>
-                <a:srgbClr val="5AB152"/>
-              </a:solidFill>
-            </a:endParaRPr>
+              <a:t>setProgress</a:t>
+            </a:r>
+            <a:r>
+              <a:rPr lang="en-US" sz="1200" dirty="0">
+                <a:solidFill>
+                  <a:srgbClr val="5AB152"/>
+                </a:solidFill>
+              </a:rPr>
+              <a:t>(percentage)</a:t>
+            </a:r>
           </a:p>
         </p:txBody>
       </p:sp>
